--- a/ppt/2020/实战项目_home.pptx
+++ b/ppt/2020/实战项目_home.pptx
@@ -215,7 +215,7 @@
             <a:fld id="{5F920F0F-0E56-2B45-B1BF-268524318682}" type="datetimeFigureOut">
               <a:rPr kumimoji="1" lang="zh-CN" altLang="en-US" smtClean="0"/>
               <a:pPr/>
-              <a:t>2020/4/5</a:t>
+              <a:t>2020/4/6</a:t>
             </a:fld>
             <a:endParaRPr kumimoji="1" lang="zh-CN" altLang="en-US"/>
           </a:p>
@@ -383,7 +383,7 @@
             <a:fld id="{FB86081A-1E41-D34E-AC33-11FD77CCCD8D}" type="datetimeFigureOut">
               <a:rPr kumimoji="1" lang="zh-CN" altLang="en-US" smtClean="0"/>
               <a:pPr/>
-              <a:t>2020/4/5</a:t>
+              <a:t>2020/4/6</a:t>
             </a:fld>
             <a:endParaRPr kumimoji="1" lang="zh-CN" altLang="en-US"/>
           </a:p>
@@ -4520,7 +4520,7 @@
             <a:fld id="{7BC3C6E0-25AE-8A44-A617-CADD813DE539}" type="datetime1">
               <a:rPr lang="zh-CN" altLang="en-US" smtClean="0"/>
               <a:pPr/>
-              <a:t>2020/4/5</a:t>
+              <a:t>2020/4/6</a:t>
             </a:fld>
             <a:endParaRPr lang="zh-CN" altLang="en-US" dirty="0"/>
           </a:p>
@@ -4930,7 +4930,7 @@
             <a:fld id="{B8DE94C4-0AC0-E74D-83DE-D1778C094258}" type="datetime1">
               <a:rPr lang="zh-CN" altLang="en-US" smtClean="0"/>
               <a:pPr/>
-              <a:t>2020/4/5</a:t>
+              <a:t>2020/4/6</a:t>
             </a:fld>
             <a:endParaRPr lang="zh-CN" altLang="en-US" dirty="0"/>
           </a:p>
@@ -9203,6 +9203,53 @@
           <a:bodyPr/>
           <a:lstStyle/>
           <a:p>
+            <a:r>
+              <a:rPr lang="en-US" altLang="zh-CN" smtClean="0"/>
+              <a:t>Crash no core</a:t>
+            </a:r>
+          </a:p>
+          <a:p>
+            <a:r>
+              <a:rPr lang="zh-CN" altLang="en-US" dirty="0"/>
+              <a:t>没有任何异常波动、没有任何资源报警、没有任何升级，也没有任何违规操作的情况下，毫无征兆</a:t>
+            </a:r>
+            <a:r>
+              <a:rPr lang="zh-CN" altLang="en-US"/>
+              <a:t>的</a:t>
+            </a:r>
+            <a:r>
+              <a:rPr lang="en-US" altLang="zh-CN" smtClean="0"/>
+              <a:t>crash</a:t>
+            </a:r>
+          </a:p>
+          <a:p>
+            <a:r>
+              <a:rPr lang="en-US" altLang="zh-CN" b="1" dirty="0"/>
+              <a:t>dmesg</a:t>
+            </a:r>
+            <a:r>
+              <a:rPr lang="zh-CN" altLang="en-US" b="1" dirty="0"/>
+              <a:t>日志：记录内核日志</a:t>
+            </a:r>
+            <a:r>
+              <a:rPr lang="zh-CN" altLang="en-US" b="1"/>
+              <a:t>信</a:t>
+            </a:r>
+            <a:r>
+              <a:rPr lang="zh-CN" altLang="en-US" b="1" smtClean="0"/>
+              <a:t>息 </a:t>
+            </a:r>
+            <a:r>
+              <a:rPr lang="en-US" altLang="zh-CN" dirty="0"/>
+              <a:t>/var/log/messages</a:t>
+            </a:r>
+            <a:endParaRPr lang="zh-CN" altLang="en-US" b="1" dirty="0"/>
+          </a:p>
+          <a:p>
+            <a:r>
+              <a:rPr lang="en-US" altLang="zh-CN" smtClean="0"/>
+              <a:t>Stack piple </a:t>
+            </a:r>
             <a:endParaRPr lang="zh-CN" altLang="en-US"/>
           </a:p>
         </p:txBody>
@@ -11410,7 +11457,7 @@
   <a:extraClrSchemeLst/>
   <a:extLst>
     <a:ext uri="{05A4C25C-085E-4340-85A3-A5531E510DB2}">
-      <thm15:themeFamily xmlns="" xmlns:thm15="http://schemas.microsoft.com/office/thememl/2012/main" name="Office Theme" id="{62F939B6-93AF-4DB8-9C6B-D6C7DFDC589F}" vid="{4A3C46E8-61CC-4603-A589-7422A47A8E4A}"/>
+      <thm15:themeFamily xmlns:thm15="http://schemas.microsoft.com/office/thememl/2012/main" xmlns="" name="Office Theme" id="{62F939B6-93AF-4DB8-9C6B-D6C7DFDC589F}" vid="{4A3C46E8-61CC-4603-A589-7422A47A8E4A}"/>
     </a:ext>
   </a:extLst>
 </a:theme>
@@ -11671,7 +11718,7 @@
   <a:extraClrSchemeLst/>
   <a:extLst>
     <a:ext uri="{05A4C25C-085E-4340-85A3-A5531E510DB2}">
-      <thm15:themeFamily xmlns="" xmlns:thm15="http://schemas.microsoft.com/office/thememl/2012/main" name="Office Theme" id="{62F939B6-93AF-4DB8-9C6B-D6C7DFDC589F}" vid="{4A3C46E8-61CC-4603-A589-7422A47A8E4A}"/>
+      <thm15:themeFamily xmlns:thm15="http://schemas.microsoft.com/office/thememl/2012/main" xmlns="" name="Office Theme" id="{62F939B6-93AF-4DB8-9C6B-D6C7DFDC589F}" vid="{4A3C46E8-61CC-4603-A589-7422A47A8E4A}"/>
     </a:ext>
   </a:extLst>
 </a:theme>

--- a/ppt/2020/实战项目_home.pptx
+++ b/ppt/2020/实战项目_home.pptx
@@ -30,7 +30,7 @@
     <p:sldId id="292" r:id="rId18"/>
     <p:sldId id="293" r:id="rId19"/>
     <p:sldId id="296" r:id="rId20"/>
-    <p:sldId id="295" r:id="rId21"/>
+    <p:sldId id="297" r:id="rId21"/>
   </p:sldIdLst>
   <p:sldSz cx="9144000" cy="5143500" type="screen16x9"/>
   <p:notesSz cx="6858000" cy="9144000"/>
@@ -215,7 +215,7 @@
             <a:fld id="{5F920F0F-0E56-2B45-B1BF-268524318682}" type="datetimeFigureOut">
               <a:rPr kumimoji="1" lang="zh-CN" altLang="en-US" smtClean="0"/>
               <a:pPr/>
-              <a:t>2020/4/6</a:t>
+              <a:t>2020/5/10</a:t>
             </a:fld>
             <a:endParaRPr kumimoji="1" lang="zh-CN" altLang="en-US"/>
           </a:p>
@@ -383,7 +383,7 @@
             <a:fld id="{FB86081A-1E41-D34E-AC33-11FD77CCCD8D}" type="datetimeFigureOut">
               <a:rPr kumimoji="1" lang="zh-CN" altLang="en-US" smtClean="0"/>
               <a:pPr/>
-              <a:t>2020/4/6</a:t>
+              <a:t>2020/5/10</a:t>
             </a:fld>
             <a:endParaRPr kumimoji="1" lang="zh-CN" altLang="en-US"/>
           </a:p>
@@ -4520,7 +4520,7 @@
             <a:fld id="{7BC3C6E0-25AE-8A44-A617-CADD813DE539}" type="datetime1">
               <a:rPr lang="zh-CN" altLang="en-US" smtClean="0"/>
               <a:pPr/>
-              <a:t>2020/4/6</a:t>
+              <a:t>2020/5/10</a:t>
             </a:fld>
             <a:endParaRPr lang="zh-CN" altLang="en-US" dirty="0"/>
           </a:p>
@@ -4930,7 +4930,7 @@
             <a:fld id="{B8DE94C4-0AC0-E74D-83DE-D1778C094258}" type="datetime1">
               <a:rPr lang="zh-CN" altLang="en-US" smtClean="0"/>
               <a:pPr/>
-              <a:t>2020/4/6</a:t>
+              <a:t>2020/5/10</a:t>
             </a:fld>
             <a:endParaRPr lang="zh-CN" altLang="en-US" dirty="0"/>
           </a:p>
@@ -9717,12 +9717,12 @@
               <a:buAutoNum type="arabicPeriod"/>
             </a:pPr>
             <a:r>
-              <a:rPr lang="en-US" altLang="zh-CN">
+              <a:rPr lang="zh-CN" altLang="en-US">
                 <a:solidFill>
                   <a:srgbClr val="FF0000"/>
                 </a:solidFill>
               </a:rPr>
-              <a:t> </a:t>
+              <a:t>假</a:t>
             </a:r>
             <a:r>
               <a:rPr lang="zh-CN" altLang="en-US" smtClean="0">
@@ -9730,7 +9730,15 @@
                   <a:srgbClr val="FF0000"/>
                 </a:solidFill>
               </a:rPr>
-              <a:t>把你项目描述拿出来 自己读三次</a:t>
+              <a:t>如你负责项目，请问架</a:t>
+            </a:r>
+            <a:r>
+              <a:rPr lang="zh-CN" altLang="en-US">
+                <a:solidFill>
+                  <a:srgbClr val="FF0000"/>
+                </a:solidFill>
+              </a:rPr>
+              <a:t>构是什么？画出来</a:t>
             </a:r>
             <a:endParaRPr lang="en-US" altLang="zh-CN" smtClean="0">
               <a:solidFill>
@@ -9749,7 +9757,7 @@
                   <a:srgbClr val="FF0000"/>
                 </a:solidFill>
               </a:rPr>
-              <a:t>发</a:t>
+              <a:t>假</a:t>
             </a:r>
             <a:r>
               <a:rPr lang="zh-CN" altLang="en-US" smtClean="0">
@@ -9757,7 +9765,23 @@
                   <a:srgbClr val="FF0000"/>
                 </a:solidFill>
               </a:rPr>
-              <a:t>现自己是怎么做的，说清楚。不考虑负载技术</a:t>
+              <a:t>如让你实现，需要哪些技术</a:t>
+            </a:r>
+            <a:r>
+              <a:rPr lang="en-US" altLang="zh-CN" smtClean="0">
+                <a:solidFill>
+                  <a:srgbClr val="FF0000"/>
+                </a:solidFill>
+              </a:rPr>
+              <a:t>/</a:t>
+            </a:r>
+            <a:r>
+              <a:rPr lang="zh-CN" altLang="en-US" smtClean="0">
+                <a:solidFill>
+                  <a:srgbClr val="FF0000"/>
+                </a:solidFill>
+              </a:rPr>
+              <a:t>方案？写出来</a:t>
             </a:r>
             <a:endParaRPr lang="en-US" altLang="zh-CN" smtClean="0">
               <a:solidFill>
@@ -9776,7 +9800,7 @@
                   <a:srgbClr val="FF0000"/>
                 </a:solidFill>
               </a:rPr>
-              <a:t>如</a:t>
+              <a:t>运</a:t>
             </a:r>
             <a:r>
               <a:rPr lang="zh-CN" altLang="en-US" smtClean="0">
@@ -9784,7 +9808,7 @@
                   <a:srgbClr val="FF0000"/>
                 </a:solidFill>
               </a:rPr>
-              <a:t>何优化和改造。</a:t>
+              <a:t>行效果如何？具体指标。</a:t>
             </a:r>
             <a:endParaRPr lang="zh-CN" altLang="en-US" dirty="0">
               <a:solidFill>
@@ -9826,7 +9850,7 @@
     </p:spTree>
     <p:extLst>
       <p:ext uri="{BB962C8B-B14F-4D97-AF65-F5344CB8AC3E}">
-        <p14:creationId xmlns:p14="http://schemas.microsoft.com/office/powerpoint/2010/main" val="610401656"/>
+        <p14:creationId xmlns:p14="http://schemas.microsoft.com/office/powerpoint/2010/main" val="1191037896"/>
       </p:ext>
     </p:extLst>
   </p:cSld>
@@ -11457,7 +11481,7 @@
   <a:extraClrSchemeLst/>
   <a:extLst>
     <a:ext uri="{05A4C25C-085E-4340-85A3-A5531E510DB2}">
-      <thm15:themeFamily xmlns:thm15="http://schemas.microsoft.com/office/thememl/2012/main" xmlns="" name="Office Theme" id="{62F939B6-93AF-4DB8-9C6B-D6C7DFDC589F}" vid="{4A3C46E8-61CC-4603-A589-7422A47A8E4A}"/>
+      <thm15:themeFamily xmlns="" xmlns:thm15="http://schemas.microsoft.com/office/thememl/2012/main" name="Office Theme" id="{62F939B6-93AF-4DB8-9C6B-D6C7DFDC589F}" vid="{4A3C46E8-61CC-4603-A589-7422A47A8E4A}"/>
     </a:ext>
   </a:extLst>
 </a:theme>
@@ -11718,7 +11742,7 @@
   <a:extraClrSchemeLst/>
   <a:extLst>
     <a:ext uri="{05A4C25C-085E-4340-85A3-A5531E510DB2}">
-      <thm15:themeFamily xmlns:thm15="http://schemas.microsoft.com/office/thememl/2012/main" xmlns="" name="Office Theme" id="{62F939B6-93AF-4DB8-9C6B-D6C7DFDC589F}" vid="{4A3C46E8-61CC-4603-A589-7422A47A8E4A}"/>
+      <thm15:themeFamily xmlns="" xmlns:thm15="http://schemas.microsoft.com/office/thememl/2012/main" name="Office Theme" id="{62F939B6-93AF-4DB8-9C6B-D6C7DFDC589F}" vid="{4A3C46E8-61CC-4603-A589-7422A47A8E4A}"/>
     </a:ext>
   </a:extLst>
 </a:theme>
